--- a/Java Basics/Java Basics 8.pptx
+++ b/Java Basics/Java Basics 8.pptx
@@ -125,6 +125,11 @@
       </a:defRPr>
     </a:lvl9pPr>
   </p:defaultTextStyle>
+  <p:extLst>
+    <p:ext uri="{EFAFB233-063F-42B5-8137-9DF3F51BA10A}">
+      <p15:sldGuideLst xmlns:p15="http://schemas.microsoft.com/office/powerpoint/2012/main"/>
+    </p:ext>
+  </p:extLst>
 </p:presentation>
 </file>
 
@@ -210,7 +215,7 @@
           <a:p>
             <a:fld id="{BC6AC295-A28A-704D-8CF1-88C4F3499910}" type="datetimeFigureOut">
               <a:rPr kumimoji="1" lang="zh-CN" altLang="en-US" smtClean="0"/>
-              <a:t>2023/2/22</a:t>
+              <a:t>2023/2/23</a:t>
             </a:fld>
             <a:endParaRPr kumimoji="1" lang="zh-CN" altLang="en-US"/>
           </a:p>
@@ -792,7 +797,7 @@
           <a:p>
             <a:fld id="{C8A03C78-2BE0-8443-B200-F1839873A998}" type="datetimeFigureOut">
               <a:rPr kumimoji="1" lang="zh-CN" altLang="en-US" smtClean="0"/>
-              <a:t>2023/2/22</a:t>
+              <a:t>2023/2/23</a:t>
             </a:fld>
             <a:endParaRPr kumimoji="1" lang="zh-CN" altLang="en-US"/>
           </a:p>
@@ -990,7 +995,7 @@
           <a:p>
             <a:fld id="{C8A03C78-2BE0-8443-B200-F1839873A998}" type="datetimeFigureOut">
               <a:rPr kumimoji="1" lang="zh-CN" altLang="en-US" smtClean="0"/>
-              <a:t>2023/2/22</a:t>
+              <a:t>2023/2/23</a:t>
             </a:fld>
             <a:endParaRPr kumimoji="1" lang="zh-CN" altLang="en-US"/>
           </a:p>
@@ -1198,7 +1203,7 @@
           <a:p>
             <a:fld id="{C8A03C78-2BE0-8443-B200-F1839873A998}" type="datetimeFigureOut">
               <a:rPr kumimoji="1" lang="zh-CN" altLang="en-US" smtClean="0"/>
-              <a:t>2023/2/22</a:t>
+              <a:t>2023/2/23</a:t>
             </a:fld>
             <a:endParaRPr kumimoji="1" lang="zh-CN" altLang="en-US"/>
           </a:p>
@@ -1396,7 +1401,7 @@
           <a:p>
             <a:fld id="{C8A03C78-2BE0-8443-B200-F1839873A998}" type="datetimeFigureOut">
               <a:rPr kumimoji="1" lang="zh-CN" altLang="en-US" smtClean="0"/>
-              <a:t>2023/2/22</a:t>
+              <a:t>2023/2/23</a:t>
             </a:fld>
             <a:endParaRPr kumimoji="1" lang="zh-CN" altLang="en-US"/>
           </a:p>
@@ -1671,7 +1676,7 @@
           <a:p>
             <a:fld id="{C8A03C78-2BE0-8443-B200-F1839873A998}" type="datetimeFigureOut">
               <a:rPr kumimoji="1" lang="zh-CN" altLang="en-US" smtClean="0"/>
-              <a:t>2023/2/22</a:t>
+              <a:t>2023/2/23</a:t>
             </a:fld>
             <a:endParaRPr kumimoji="1" lang="zh-CN" altLang="en-US"/>
           </a:p>
@@ -1936,7 +1941,7 @@
           <a:p>
             <a:fld id="{C8A03C78-2BE0-8443-B200-F1839873A998}" type="datetimeFigureOut">
               <a:rPr kumimoji="1" lang="zh-CN" altLang="en-US" smtClean="0"/>
-              <a:t>2023/2/22</a:t>
+              <a:t>2023/2/23</a:t>
             </a:fld>
             <a:endParaRPr kumimoji="1" lang="zh-CN" altLang="en-US"/>
           </a:p>
@@ -2348,7 +2353,7 @@
           <a:p>
             <a:fld id="{C8A03C78-2BE0-8443-B200-F1839873A998}" type="datetimeFigureOut">
               <a:rPr kumimoji="1" lang="zh-CN" altLang="en-US" smtClean="0"/>
-              <a:t>2023/2/22</a:t>
+              <a:t>2023/2/23</a:t>
             </a:fld>
             <a:endParaRPr kumimoji="1" lang="zh-CN" altLang="en-US"/>
           </a:p>
@@ -2489,7 +2494,7 @@
           <a:p>
             <a:fld id="{C8A03C78-2BE0-8443-B200-F1839873A998}" type="datetimeFigureOut">
               <a:rPr kumimoji="1" lang="zh-CN" altLang="en-US" smtClean="0"/>
-              <a:t>2023/2/22</a:t>
+              <a:t>2023/2/23</a:t>
             </a:fld>
             <a:endParaRPr kumimoji="1" lang="zh-CN" altLang="en-US"/>
           </a:p>
@@ -2602,7 +2607,7 @@
           <a:p>
             <a:fld id="{C8A03C78-2BE0-8443-B200-F1839873A998}" type="datetimeFigureOut">
               <a:rPr kumimoji="1" lang="zh-CN" altLang="en-US" smtClean="0"/>
-              <a:t>2023/2/22</a:t>
+              <a:t>2023/2/23</a:t>
             </a:fld>
             <a:endParaRPr kumimoji="1" lang="zh-CN" altLang="en-US"/>
           </a:p>
@@ -2913,7 +2918,7 @@
           <a:p>
             <a:fld id="{C8A03C78-2BE0-8443-B200-F1839873A998}" type="datetimeFigureOut">
               <a:rPr kumimoji="1" lang="zh-CN" altLang="en-US" smtClean="0"/>
-              <a:t>2023/2/22</a:t>
+              <a:t>2023/2/23</a:t>
             </a:fld>
             <a:endParaRPr kumimoji="1" lang="zh-CN" altLang="en-US"/>
           </a:p>
@@ -3201,7 +3206,7 @@
           <a:p>
             <a:fld id="{C8A03C78-2BE0-8443-B200-F1839873A998}" type="datetimeFigureOut">
               <a:rPr kumimoji="1" lang="zh-CN" altLang="en-US" smtClean="0"/>
-              <a:t>2023/2/22</a:t>
+              <a:t>2023/2/23</a:t>
             </a:fld>
             <a:endParaRPr kumimoji="1" lang="zh-CN" altLang="en-US"/>
           </a:p>
@@ -3442,7 +3447,7 @@
           <a:p>
             <a:fld id="{C8A03C78-2BE0-8443-B200-F1839873A998}" type="datetimeFigureOut">
               <a:rPr kumimoji="1" lang="zh-CN" altLang="en-US" smtClean="0"/>
-              <a:t>2023/2/22</a:t>
+              <a:t>2023/2/23</a:t>
             </a:fld>
             <a:endParaRPr kumimoji="1" lang="zh-CN" altLang="en-US"/>
           </a:p>
@@ -5009,13 +5014,31 @@
                     <a:p>
                       <a:pPr algn="l" fontAlgn="base"/>
                       <a:r>
-                        <a:rPr lang="en" sz="1100" b="1">
+                        <a:rPr lang="en" sz="1100" b="1" dirty="0">
                           <a:solidFill>
                             <a:schemeClr val="bg1"/>
                           </a:solidFill>
                           <a:effectLst/>
                         </a:rPr>
-                        <a:t>Java Streams are consumable i.e; to traverse the stream, it needs to be created every time.</a:t>
+                        <a:t>Java Streams are consumable </a:t>
+                      </a:r>
+                      <a:r>
+                        <a:rPr lang="en" sz="1100" b="1" dirty="0" err="1">
+                          <a:solidFill>
+                            <a:schemeClr val="bg1"/>
+                          </a:solidFill>
+                          <a:effectLst/>
+                        </a:rPr>
+                        <a:t>i.e</a:t>
+                      </a:r>
+                      <a:r>
+                        <a:rPr lang="en" sz="1100" b="1" dirty="0">
+                          <a:solidFill>
+                            <a:schemeClr val="bg1"/>
+                          </a:solidFill>
+                          <a:effectLst/>
+                        </a:rPr>
+                        <a:t>; to traverse the stream, it needs to be created every time.</a:t>
                       </a:r>
                     </a:p>
                   </a:txBody>
@@ -6145,15 +6168,11 @@
               </a:rPr>
             </a:br>
             <a:r>
-              <a:rPr lang="en" altLang="zh-CN" sz="1400" b="0" i="0" dirty="0" err="1">
-                <a:solidFill>
-                  <a:srgbClr val="2F2E2E"/>
-                </a:solidFill>
-                <a:effectLst/>
+              <a:rPr lang="en" altLang="zh-CN" sz="1400" dirty="0">
                 <a:latin typeface="Arial" panose="020B0604020202020204" pitchFamily="34" charset="0"/>
                 <a:cs typeface="Arial" panose="020B0604020202020204" pitchFamily="34" charset="0"/>
               </a:rPr>
-              <a:t>ntermediate</a:t>
+              <a:t>I</a:t>
             </a:r>
             <a:r>
               <a:rPr lang="en" altLang="zh-CN" sz="1400" b="0" i="0" dirty="0">
@@ -6164,7 +6183,7 @@
                 <a:latin typeface="Arial" panose="020B0604020202020204" pitchFamily="34" charset="0"/>
                 <a:cs typeface="Arial" panose="020B0604020202020204" pitchFamily="34" charset="0"/>
               </a:rPr>
-              <a:t> operations are not executed until a terminal operation is performed.</a:t>
+              <a:t>ntermediate operations are not executed until a terminal operation is performed.</a:t>
             </a:r>
             <a:br>
               <a:rPr lang="en" altLang="zh-CN" sz="1400" dirty="0">
